--- a/workshop.pptx
+++ b/workshop.pptx
@@ -1,11 +1,11 @@
 
 <file path=ppt/presentation.xml><?xml version="1.0" encoding="utf-8"?>
-<p:presentation xmlns:a="http://schemas.openxmlformats.org/drawingml/2006/main" xmlns:r="http://schemas.openxmlformats.org/officeDocument/2006/relationships" xmlns:p="http://schemas.openxmlformats.org/presentationml/2006/main" removePersonalInfoOnSave="1" saveSubsetFonts="1">
+<p:presentation xmlns:a="http://schemas.openxmlformats.org/drawingml/2006/main" xmlns:r="http://schemas.openxmlformats.org/officeDocument/2006/relationships" xmlns:p="http://schemas.openxmlformats.org/presentationml/2006/main" showSpecialPlsOnTitleSld="0" removePersonalInfoOnSave="1" saveSubsetFonts="1">
   <p:sldMasterIdLst>
     <p:sldMasterId id="2147483648" r:id="rId1"/>
   </p:sldMasterIdLst>
   <p:notesMasterIdLst>
-    <p:notesMasterId r:id="rId15"/>
+    <p:notesMasterId r:id="rId18"/>
   </p:notesMasterIdLst>
   <p:sldIdLst>
     <p:sldId id="256" r:id="rId2"/>
@@ -19,8 +19,11 @@
     <p:sldId id="265" r:id="rId10"/>
     <p:sldId id="268" r:id="rId11"/>
     <p:sldId id="269" r:id="rId12"/>
-    <p:sldId id="266" r:id="rId13"/>
-    <p:sldId id="267" r:id="rId14"/>
+    <p:sldId id="272" r:id="rId13"/>
+    <p:sldId id="266" r:id="rId14"/>
+    <p:sldId id="267" r:id="rId15"/>
+    <p:sldId id="270" r:id="rId16"/>
+    <p:sldId id="271" r:id="rId17"/>
   </p:sldIdLst>
   <p:sldSz cx="9144000" cy="5143500" type="screen16x9"/>
   <p:notesSz cx="6858000" cy="9144000"/>
@@ -224,7 +227,7 @@
           <a:p>
             <a:fld id="{B3E9D43B-8233-4A8B-88C6-39F2057FB943}" type="datetimeFigureOut">
               <a:rPr lang="en-US" smtClean="0"/>
-              <a:t>2/24/2020</a:t>
+              <a:t>2/25/2020</a:t>
             </a:fld>
             <a:endParaRPr lang="en-US"/>
           </a:p>
@@ -758,7 +761,7 @@
           <a:p>
             <a:fld id="{99C7C148-2FAF-47FB-8A55-4D6A85248E4E}" type="slidenum">
               <a:rPr lang="en-US" smtClean="0"/>
-              <a:t>13</a:t>
+              <a:t>14</a:t>
             </a:fld>
             <a:endParaRPr lang="en-US"/>
           </a:p>
@@ -993,10 +996,9 @@
           <a:bodyPr/>
           <a:lstStyle/>
           <a:p>
-            <a:fld id="{53074F12-AA26-4AC8-9962-C36BB8F32554}" type="datetimeFigureOut">
+            <a:fld id="{1749E0AA-BF33-48AA-8EC1-AE0E7C1A6468}" type="datetime1">
               <a:rPr lang="en-US" smtClean="0"/>
-              <a:pPr/>
-              <a:t>2/24/2020</a:t>
+              <a:t>2/25/2020</a:t>
             </a:fld>
             <a:endParaRPr lang="en-US"/>
           </a:p>
@@ -1017,6 +1019,10 @@
           <a:bodyPr/>
           <a:lstStyle/>
           <a:p>
+            <a:r>
+              <a:rPr lang="en-US" smtClean="0"/>
+              <a:t>BUILDING A WEBSITE WITH VUEPRESS</a:t>
+            </a:r>
             <a:endParaRPr lang="en-US" dirty="0"/>
           </a:p>
         </p:txBody>
@@ -1247,10 +1253,9 @@
           <a:bodyPr/>
           <a:lstStyle/>
           <a:p>
-            <a:fld id="{53074F12-AA26-4AC8-9962-C36BB8F32554}" type="datetimeFigureOut">
+            <a:fld id="{F75BAE69-149A-40F2-84BF-C68DEB8AF5C5}" type="datetime1">
               <a:rPr lang="en-US" smtClean="0"/>
-              <a:pPr/>
-              <a:t>2/24/2020</a:t>
+              <a:t>2/25/2020</a:t>
             </a:fld>
             <a:endParaRPr lang="en-US"/>
           </a:p>
@@ -1271,6 +1276,10 @@
           <a:bodyPr/>
           <a:lstStyle/>
           <a:p>
+            <a:r>
+              <a:rPr lang="en-US" smtClean="0"/>
+              <a:t>BUILDING A WEBSITE WITH VUEPRESS</a:t>
+            </a:r>
             <a:endParaRPr lang="en-US"/>
           </a:p>
         </p:txBody>
@@ -1417,10 +1426,9 @@
           <a:bodyPr/>
           <a:lstStyle/>
           <a:p>
-            <a:fld id="{53074F12-AA26-4AC8-9962-C36BB8F32554}" type="datetimeFigureOut">
+            <a:fld id="{3B4823BA-C9D2-4B20-BD76-F7E6FA0D0593}" type="datetime1">
               <a:rPr lang="en-US" smtClean="0"/>
-              <a:pPr/>
-              <a:t>2/24/2020</a:t>
+              <a:t>2/25/2020</a:t>
             </a:fld>
             <a:endParaRPr lang="en-US"/>
           </a:p>
@@ -1441,6 +1449,10 @@
           <a:bodyPr/>
           <a:lstStyle/>
           <a:p>
+            <a:r>
+              <a:rPr lang="en-US" smtClean="0"/>
+              <a:t>BUILDING A WEBSITE WITH VUEPRESS</a:t>
+            </a:r>
             <a:endParaRPr lang="en-US"/>
           </a:p>
         </p:txBody>
@@ -1597,10 +1609,9 @@
           <a:bodyPr/>
           <a:lstStyle/>
           <a:p>
-            <a:fld id="{53074F12-AA26-4AC8-9962-C36BB8F32554}" type="datetimeFigureOut">
+            <a:fld id="{9B288FC8-6430-449E-B0E5-7F31980C7F8D}" type="datetime1">
               <a:rPr lang="en-US" smtClean="0"/>
-              <a:pPr/>
-              <a:t>2/24/2020</a:t>
+              <a:t>2/25/2020</a:t>
             </a:fld>
             <a:endParaRPr lang="en-US"/>
           </a:p>
@@ -1621,6 +1632,10 @@
           <a:bodyPr/>
           <a:lstStyle/>
           <a:p>
+            <a:r>
+              <a:rPr lang="en-US" smtClean="0"/>
+              <a:t>BUILDING A WEBSITE WITH VUEPRESS</a:t>
+            </a:r>
             <a:endParaRPr lang="en-US"/>
           </a:p>
         </p:txBody>
@@ -1879,10 +1894,9 @@
           <a:bodyPr/>
           <a:lstStyle/>
           <a:p>
-            <a:fld id="{53074F12-AA26-4AC8-9962-C36BB8F32554}" type="datetimeFigureOut">
+            <a:fld id="{EC3582FD-85B0-4E42-AF4F-03B14FDA933E}" type="datetime1">
               <a:rPr lang="en-US" smtClean="0"/>
-              <a:pPr/>
-              <a:t>2/24/2020</a:t>
+              <a:t>2/25/2020</a:t>
             </a:fld>
             <a:endParaRPr lang="en-US"/>
           </a:p>
@@ -1903,6 +1917,10 @@
           <a:bodyPr/>
           <a:lstStyle/>
           <a:p>
+            <a:r>
+              <a:rPr lang="en-US" smtClean="0"/>
+              <a:t>BUILDING A WEBSITE WITH VUEPRESS</a:t>
+            </a:r>
             <a:endParaRPr lang="en-US"/>
           </a:p>
         </p:txBody>
@@ -2126,10 +2144,9 @@
           <a:bodyPr/>
           <a:lstStyle/>
           <a:p>
-            <a:fld id="{53074F12-AA26-4AC8-9962-C36BB8F32554}" type="datetimeFigureOut">
+            <a:fld id="{4E85C6BD-97C8-4A60-A5B2-900F6D2ADFB9}" type="datetime1">
               <a:rPr lang="en-US" smtClean="0"/>
-              <a:pPr/>
-              <a:t>2/24/2020</a:t>
+              <a:t>2/25/2020</a:t>
             </a:fld>
             <a:endParaRPr lang="en-US"/>
           </a:p>
@@ -2150,6 +2167,10 @@
           <a:bodyPr/>
           <a:lstStyle/>
           <a:p>
+            <a:r>
+              <a:rPr lang="en-US" smtClean="0"/>
+              <a:t>BUILDING A WEBSITE WITH VUEPRESS</a:t>
+            </a:r>
             <a:endParaRPr lang="en-US" dirty="0"/>
           </a:p>
         </p:txBody>
@@ -2373,10 +2394,9 @@
           <a:bodyPr/>
           <a:lstStyle/>
           <a:p>
-            <a:fld id="{53074F12-AA26-4AC8-9962-C36BB8F32554}" type="datetimeFigureOut">
+            <a:fld id="{7F7AD595-02EC-4CB4-B73B-0BE0AFF24461}" type="datetime1">
               <a:rPr lang="en-US" smtClean="0"/>
-              <a:pPr/>
-              <a:t>2/24/2020</a:t>
+              <a:t>2/25/2020</a:t>
             </a:fld>
             <a:endParaRPr lang="en-US"/>
           </a:p>
@@ -2397,6 +2417,10 @@
           <a:bodyPr/>
           <a:lstStyle/>
           <a:p>
+            <a:r>
+              <a:rPr lang="en-US" smtClean="0"/>
+              <a:t>BUILDING A WEBSITE WITH VUEPRESS</a:t>
+            </a:r>
             <a:endParaRPr lang="en-US"/>
           </a:p>
         </p:txBody>
@@ -2660,10 +2684,9 @@
           <a:bodyPr/>
           <a:lstStyle/>
           <a:p>
-            <a:fld id="{53074F12-AA26-4AC8-9962-C36BB8F32554}" type="datetimeFigureOut">
+            <a:fld id="{08BC38DA-87CA-445B-96DB-2B09C6F0838F}" type="datetime1">
               <a:rPr lang="en-US" smtClean="0"/>
-              <a:pPr/>
-              <a:t>2/24/2020</a:t>
+              <a:t>2/25/2020</a:t>
             </a:fld>
             <a:endParaRPr lang="en-US"/>
           </a:p>
@@ -2684,6 +2707,10 @@
           <a:bodyPr/>
           <a:lstStyle/>
           <a:p>
+            <a:r>
+              <a:rPr lang="en-US" smtClean="0"/>
+              <a:t>BUILDING A WEBSITE WITH VUEPRESS</a:t>
+            </a:r>
             <a:endParaRPr lang="en-US"/>
           </a:p>
         </p:txBody>
@@ -3147,10 +3174,9 @@
           <a:bodyPr/>
           <a:lstStyle/>
           <a:p>
-            <a:fld id="{53074F12-AA26-4AC8-9962-C36BB8F32554}" type="datetimeFigureOut">
+            <a:fld id="{ABAC9FE1-E33A-4E3B-BA6A-6CAA1C0CB421}" type="datetime1">
               <a:rPr lang="en-US" smtClean="0"/>
-              <a:pPr/>
-              <a:t>2/24/2020</a:t>
+              <a:t>2/25/2020</a:t>
             </a:fld>
             <a:endParaRPr lang="en-US"/>
           </a:p>
@@ -3171,6 +3197,10 @@
           <a:bodyPr/>
           <a:lstStyle/>
           <a:p>
+            <a:r>
+              <a:rPr lang="en-US" smtClean="0"/>
+              <a:t>BUILDING A WEBSITE WITH VUEPRESS</a:t>
+            </a:r>
             <a:endParaRPr lang="en-US"/>
           </a:p>
         </p:txBody>
@@ -3266,10 +3296,9 @@
           <a:bodyPr/>
           <a:lstStyle/>
           <a:p>
-            <a:fld id="{53074F12-AA26-4AC8-9962-C36BB8F32554}" type="datetimeFigureOut">
+            <a:fld id="{C8204E5A-62FC-4858-BB3A-4ECA9A94E4CE}" type="datetime1">
               <a:rPr lang="en-US" smtClean="0"/>
-              <a:pPr/>
-              <a:t>2/24/2020</a:t>
+              <a:t>2/25/2020</a:t>
             </a:fld>
             <a:endParaRPr lang="en-US"/>
           </a:p>
@@ -3290,6 +3319,10 @@
           <a:bodyPr/>
           <a:lstStyle/>
           <a:p>
+            <a:r>
+              <a:rPr lang="en-US" smtClean="0"/>
+              <a:t>BUILDING A WEBSITE WITH VUEPRESS</a:t>
+            </a:r>
             <a:endParaRPr lang="en-US"/>
           </a:p>
         </p:txBody>
@@ -3363,10 +3396,9 @@
           <a:bodyPr/>
           <a:lstStyle/>
           <a:p>
-            <a:fld id="{53074F12-AA26-4AC8-9962-C36BB8F32554}" type="datetimeFigureOut">
+            <a:fld id="{60AECDE7-4E0A-43DB-BA96-992A850DE698}" type="datetime1">
               <a:rPr lang="en-US" smtClean="0"/>
-              <a:pPr/>
-              <a:t>2/24/2020</a:t>
+              <a:t>2/25/2020</a:t>
             </a:fld>
             <a:endParaRPr lang="en-US"/>
           </a:p>
@@ -3387,6 +3419,10 @@
           <a:bodyPr/>
           <a:lstStyle/>
           <a:p>
+            <a:r>
+              <a:rPr lang="en-US" smtClean="0"/>
+              <a:t>BUILDING A WEBSITE WITH VUEPRESS</a:t>
+            </a:r>
             <a:endParaRPr lang="en-US"/>
           </a:p>
         </p:txBody>
@@ -3640,10 +3676,9 @@
           <a:bodyPr/>
           <a:lstStyle/>
           <a:p>
-            <a:fld id="{53074F12-AA26-4AC8-9962-C36BB8F32554}" type="datetimeFigureOut">
+            <a:fld id="{1CAD8643-7020-4CF2-BA69-22C65515DA96}" type="datetime1">
               <a:rPr lang="en-US" smtClean="0"/>
-              <a:pPr/>
-              <a:t>2/24/2020</a:t>
+              <a:t>2/25/2020</a:t>
             </a:fld>
             <a:endParaRPr lang="en-US"/>
           </a:p>
@@ -3664,6 +3699,10 @@
           <a:bodyPr/>
           <a:lstStyle/>
           <a:p>
+            <a:r>
+              <a:rPr lang="en-US" smtClean="0"/>
+              <a:t>BUILDING A WEBSITE WITH VUEPRESS</a:t>
+            </a:r>
             <a:endParaRPr lang="en-US"/>
           </a:p>
         </p:txBody>
@@ -3862,10 +3901,9 @@
             </a:lvl1pPr>
           </a:lstStyle>
           <a:p>
-            <a:fld id="{53074F12-AA26-4AC8-9962-C36BB8F32554}" type="datetimeFigureOut">
+            <a:fld id="{A492F06D-3C98-4122-8BCD-C491C791EB16}" type="datetime1">
               <a:rPr lang="en-US" smtClean="0"/>
-              <a:pPr/>
-              <a:t>2/24/2020</a:t>
+              <a:t>2/25/2020</a:t>
             </a:fld>
             <a:endParaRPr lang="en-US"/>
           </a:p>
@@ -3904,6 +3942,10 @@
             </a:lvl1pPr>
           </a:lstStyle>
           <a:p>
+            <a:r>
+              <a:rPr lang="en-US" smtClean="0"/>
+              <a:t>BUILDING A WEBSITE WITH VUEPRESS</a:t>
+            </a:r>
             <a:endParaRPr lang="en-US"/>
           </a:p>
         </p:txBody>
@@ -4025,6 +4067,7 @@
     <p:sldLayoutId id="2147483658" r:id="rId11"/>
     <p:sldLayoutId id="2147483659" r:id="rId12"/>
   </p:sldLayoutIdLst>
+  <p:hf hdr="0" dt="0"/>
   <p:txStyles>
     <p:titleStyle>
       <a:lvl1pPr algn="ctr" defTabSz="914400" rtl="0" eaLnBrk="1" latinLnBrk="0" hangingPunct="1">
@@ -4341,6 +4384,53 @@
           </a:p>
         </p:txBody>
       </p:sp>
+      <p:sp>
+        <p:nvSpPr>
+          <p:cNvPr id="3" name="Footer Placeholder 2"/>
+          <p:cNvSpPr>
+            <a:spLocks noGrp="1"/>
+          </p:cNvSpPr>
+          <p:nvPr>
+            <p:ph type="ftr" sz="quarter" idx="11"/>
+          </p:nvPr>
+        </p:nvSpPr>
+        <p:spPr/>
+        <p:txBody>
+          <a:bodyPr/>
+          <a:lstStyle/>
+          <a:p>
+            <a:r>
+              <a:rPr lang="en-US" smtClean="0"/>
+              <a:t>BUILDING A WEBSITE WITH VUEPRESS</a:t>
+            </a:r>
+            <a:endParaRPr lang="en-US"/>
+          </a:p>
+        </p:txBody>
+      </p:sp>
+      <p:sp>
+        <p:nvSpPr>
+          <p:cNvPr id="4" name="Slide Number Placeholder 3"/>
+          <p:cNvSpPr>
+            <a:spLocks noGrp="1"/>
+          </p:cNvSpPr>
+          <p:nvPr>
+            <p:ph type="sldNum" sz="quarter" idx="12"/>
+          </p:nvPr>
+        </p:nvSpPr>
+        <p:spPr/>
+        <p:txBody>
+          <a:bodyPr/>
+          <a:lstStyle/>
+          <a:p>
+            <a:fld id="{B82CCC60-E8CD-4174-8B1A-7DF615B22EEF}" type="slidenum">
+              <a:rPr lang="en-US" smtClean="0"/>
+              <a:pPr/>
+              <a:t>1</a:t>
+            </a:fld>
+            <a:endParaRPr lang="en-US"/>
+          </a:p>
+        </p:txBody>
+      </p:sp>
     </p:spTree>
     <p:extLst>
       <p:ext uri="{BB962C8B-B14F-4D97-AF65-F5344CB8AC3E}">
@@ -4460,6 +4550,53 @@
           </a:p>
         </p:txBody>
       </p:sp>
+      <p:sp>
+        <p:nvSpPr>
+          <p:cNvPr id="4" name="Footer Placeholder 3"/>
+          <p:cNvSpPr>
+            <a:spLocks noGrp="1"/>
+          </p:cNvSpPr>
+          <p:nvPr>
+            <p:ph type="ftr" sz="quarter" idx="11"/>
+          </p:nvPr>
+        </p:nvSpPr>
+        <p:spPr/>
+        <p:txBody>
+          <a:bodyPr/>
+          <a:lstStyle/>
+          <a:p>
+            <a:r>
+              <a:rPr lang="en-US" smtClean="0"/>
+              <a:t>BUILDING A WEBSITE WITH VUEPRESS</a:t>
+            </a:r>
+            <a:endParaRPr lang="en-US" dirty="0"/>
+          </a:p>
+        </p:txBody>
+      </p:sp>
+      <p:sp>
+        <p:nvSpPr>
+          <p:cNvPr id="5" name="Slide Number Placeholder 4"/>
+          <p:cNvSpPr>
+            <a:spLocks noGrp="1"/>
+          </p:cNvSpPr>
+          <p:nvPr>
+            <p:ph type="sldNum" sz="quarter" idx="12"/>
+          </p:nvPr>
+        </p:nvSpPr>
+        <p:spPr/>
+        <p:txBody>
+          <a:bodyPr/>
+          <a:lstStyle/>
+          <a:p>
+            <a:fld id="{B82CCC60-E8CD-4174-8B1A-7DF615B22EEF}" type="slidenum">
+              <a:rPr lang="en-US" smtClean="0"/>
+              <a:pPr/>
+              <a:t>10</a:t>
+            </a:fld>
+            <a:endParaRPr lang="en-US"/>
+          </a:p>
+        </p:txBody>
+      </p:sp>
     </p:spTree>
     <p:extLst>
       <p:ext uri="{BB962C8B-B14F-4D97-AF65-F5344CB8AC3E}">
@@ -4580,6 +4717,53 @@
           </a:p>
         </p:txBody>
       </p:sp>
+      <p:sp>
+        <p:nvSpPr>
+          <p:cNvPr id="4" name="Footer Placeholder 3"/>
+          <p:cNvSpPr>
+            <a:spLocks noGrp="1"/>
+          </p:cNvSpPr>
+          <p:nvPr>
+            <p:ph type="ftr" sz="quarter" idx="11"/>
+          </p:nvPr>
+        </p:nvSpPr>
+        <p:spPr/>
+        <p:txBody>
+          <a:bodyPr/>
+          <a:lstStyle/>
+          <a:p>
+            <a:r>
+              <a:rPr lang="en-US" smtClean="0"/>
+              <a:t>BUILDING A WEBSITE WITH VUEPRESS</a:t>
+            </a:r>
+            <a:endParaRPr lang="en-US" dirty="0"/>
+          </a:p>
+        </p:txBody>
+      </p:sp>
+      <p:sp>
+        <p:nvSpPr>
+          <p:cNvPr id="5" name="Slide Number Placeholder 4"/>
+          <p:cNvSpPr>
+            <a:spLocks noGrp="1"/>
+          </p:cNvSpPr>
+          <p:nvPr>
+            <p:ph type="sldNum" sz="quarter" idx="12"/>
+          </p:nvPr>
+        </p:nvSpPr>
+        <p:spPr/>
+        <p:txBody>
+          <a:bodyPr/>
+          <a:lstStyle/>
+          <a:p>
+            <a:fld id="{B82CCC60-E8CD-4174-8B1A-7DF615B22EEF}" type="slidenum">
+              <a:rPr lang="en-US" smtClean="0"/>
+              <a:pPr/>
+              <a:t>11</a:t>
+            </a:fld>
+            <a:endParaRPr lang="en-US"/>
+          </a:p>
+        </p:txBody>
+      </p:sp>
     </p:spTree>
     <p:extLst>
       <p:ext uri="{BB962C8B-B14F-4D97-AF65-F5344CB8AC3E}">
@@ -4629,7 +4813,7 @@
           <a:p>
             <a:r>
               <a:rPr lang="en-US" dirty="0" smtClean="0"/>
-              <a:t>Advantages  </a:t>
+              <a:t>WHY NOT…?</a:t>
             </a:r>
             <a:endParaRPr lang="en-US" dirty="0"/>
           </a:p>
@@ -4647,92 +4831,80 @@
         </p:nvSpPr>
         <p:spPr/>
         <p:txBody>
-          <a:bodyPr>
-            <a:normAutofit fontScale="85000" lnSpcReduction="20000"/>
-          </a:bodyPr>
-          <a:lstStyle/>
-          <a:p>
-            <a:pPr fontAlgn="base"/>
+          <a:bodyPr/>
+          <a:lstStyle/>
+          <a:p>
             <a:r>
               <a:rPr lang="en-US" dirty="0" smtClean="0"/>
-              <a:t> VuePress makes </a:t>
-            </a:r>
-            <a:r>
-              <a:rPr lang="en-US" dirty="0"/>
-              <a:t>your website blazing fast &amp; SEO friendly.</a:t>
-            </a:r>
-          </a:p>
-          <a:p>
-            <a:pPr fontAlgn="base"/>
+              <a:t>NUXT</a:t>
+            </a:r>
+          </a:p>
+          <a:p>
             <a:r>
               <a:rPr lang="en-US" dirty="0" smtClean="0"/>
-              <a:t>It provides very </a:t>
-            </a:r>
-            <a:r>
-              <a:rPr lang="en-US" dirty="0"/>
-              <a:t>clean separation of </a:t>
-            </a:r>
+              <a:t>HEXO</a:t>
+            </a:r>
+          </a:p>
+          <a:p>
             <a:r>
               <a:rPr lang="en-US" dirty="0" smtClean="0"/>
-              <a:t>our </a:t>
-            </a:r>
-            <a:r>
-              <a:rPr lang="en-US" dirty="0"/>
-              <a:t>content from the rest of </a:t>
-            </a:r>
-            <a:r>
-              <a:rPr lang="en-US" dirty="0" smtClean="0"/>
-              <a:t>our </a:t>
-            </a:r>
-            <a:r>
-              <a:rPr lang="en-US" dirty="0"/>
-              <a:t>site.</a:t>
-            </a:r>
-          </a:p>
-          <a:p>
-            <a:r>
-              <a:rPr lang="en-US" dirty="0"/>
-              <a:t>Another added </a:t>
-            </a:r>
-            <a:r>
-              <a:rPr lang="en-US" b="1" dirty="0"/>
-              <a:t>benefit of VuePress</a:t>
-            </a:r>
-            <a:r>
-              <a:rPr lang="en-US" dirty="0"/>
-              <a:t> is that it powers up your markdown by allowing you to use </a:t>
-            </a:r>
-            <a:r>
-              <a:rPr lang="en-US" dirty="0" err="1"/>
-              <a:t>Vue</a:t>
-            </a:r>
-            <a:r>
-              <a:rPr lang="en-US" dirty="0"/>
-              <a:t> components directly in the markdown file. The way this works is that each markdown file is first compiled into HTML and then passed on as a </a:t>
-            </a:r>
-            <a:r>
-              <a:rPr lang="en-US" dirty="0" err="1"/>
-              <a:t>Vue</a:t>
-            </a:r>
-            <a:r>
-              <a:rPr lang="en-US" dirty="0"/>
-              <a:t> component to </a:t>
-            </a:r>
-            <a:r>
-              <a:rPr lang="en-US" dirty="0" err="1"/>
-              <a:t>vue</a:t>
-            </a:r>
-            <a:r>
-              <a:rPr lang="en-US" dirty="0"/>
-              <a:t>-loader</a:t>
-            </a:r>
+              <a:t>GITBOOK</a:t>
+            </a:r>
+            <a:endParaRPr lang="en-US" dirty="0"/>
+          </a:p>
+        </p:txBody>
+      </p:sp>
+      <p:sp>
+        <p:nvSpPr>
+          <p:cNvPr id="4" name="Footer Placeholder 3"/>
+          <p:cNvSpPr>
+            <a:spLocks noGrp="1"/>
+          </p:cNvSpPr>
+          <p:nvPr>
+            <p:ph type="ftr" sz="quarter" idx="11"/>
+          </p:nvPr>
+        </p:nvSpPr>
+        <p:spPr/>
+        <p:txBody>
+          <a:bodyPr/>
+          <a:lstStyle/>
+          <a:p>
+            <a:r>
+              <a:rPr lang="en-US" smtClean="0"/>
+              <a:t>BUILDING A WEBSITE WITH VUEPRESS</a:t>
+            </a:r>
+            <a:endParaRPr lang="en-US" dirty="0"/>
+          </a:p>
+        </p:txBody>
+      </p:sp>
+      <p:sp>
+        <p:nvSpPr>
+          <p:cNvPr id="5" name="Slide Number Placeholder 4"/>
+          <p:cNvSpPr>
+            <a:spLocks noGrp="1"/>
+          </p:cNvSpPr>
+          <p:nvPr>
+            <p:ph type="sldNum" sz="quarter" idx="12"/>
+          </p:nvPr>
+        </p:nvSpPr>
+        <p:spPr/>
+        <p:txBody>
+          <a:bodyPr/>
+          <a:lstStyle/>
+          <a:p>
+            <a:fld id="{B82CCC60-E8CD-4174-8B1A-7DF615B22EEF}" type="slidenum">
+              <a:rPr lang="en-US" smtClean="0"/>
+              <a:pPr/>
+              <a:t>12</a:t>
+            </a:fld>
+            <a:endParaRPr lang="en-US"/>
           </a:p>
         </p:txBody>
       </p:sp>
     </p:spTree>
     <p:extLst>
       <p:ext uri="{BB962C8B-B14F-4D97-AF65-F5344CB8AC3E}">
-        <p14:creationId xmlns:p14="http://schemas.microsoft.com/office/powerpoint/2010/main" val="384092086"/>
+        <p14:creationId xmlns:p14="http://schemas.microsoft.com/office/powerpoint/2010/main" val="1051683045"/>
       </p:ext>
     </p:extLst>
   </p:cSld>
@@ -4778,6 +4950,202 @@
           <a:p>
             <a:r>
               <a:rPr lang="en-US" dirty="0" smtClean="0"/>
+              <a:t>Advantages  </a:t>
+            </a:r>
+            <a:endParaRPr lang="en-US" dirty="0"/>
+          </a:p>
+        </p:txBody>
+      </p:sp>
+      <p:sp>
+        <p:nvSpPr>
+          <p:cNvPr id="3" name="Content Placeholder 2"/>
+          <p:cNvSpPr>
+            <a:spLocks noGrp="1"/>
+          </p:cNvSpPr>
+          <p:nvPr>
+            <p:ph idx="1"/>
+          </p:nvPr>
+        </p:nvSpPr>
+        <p:spPr/>
+        <p:txBody>
+          <a:bodyPr>
+            <a:normAutofit fontScale="85000" lnSpcReduction="20000"/>
+          </a:bodyPr>
+          <a:lstStyle/>
+          <a:p>
+            <a:pPr fontAlgn="base"/>
+            <a:r>
+              <a:rPr lang="en-US" dirty="0" smtClean="0"/>
+              <a:t> VuePress makes </a:t>
+            </a:r>
+            <a:r>
+              <a:rPr lang="en-US" dirty="0"/>
+              <a:t>your website blazing fast &amp; SEO friendly.</a:t>
+            </a:r>
+          </a:p>
+          <a:p>
+            <a:pPr fontAlgn="base"/>
+            <a:r>
+              <a:rPr lang="en-US" dirty="0" smtClean="0"/>
+              <a:t>It provides very </a:t>
+            </a:r>
+            <a:r>
+              <a:rPr lang="en-US" dirty="0"/>
+              <a:t>clean separation of </a:t>
+            </a:r>
+            <a:r>
+              <a:rPr lang="en-US" dirty="0" smtClean="0"/>
+              <a:t>our </a:t>
+            </a:r>
+            <a:r>
+              <a:rPr lang="en-US" dirty="0"/>
+              <a:t>content from the rest of </a:t>
+            </a:r>
+            <a:r>
+              <a:rPr lang="en-US" dirty="0" smtClean="0"/>
+              <a:t>our </a:t>
+            </a:r>
+            <a:r>
+              <a:rPr lang="en-US" dirty="0"/>
+              <a:t>site.</a:t>
+            </a:r>
+          </a:p>
+          <a:p>
+            <a:r>
+              <a:rPr lang="en-US" dirty="0"/>
+              <a:t>Another added </a:t>
+            </a:r>
+            <a:r>
+              <a:rPr lang="en-US" b="1" dirty="0"/>
+              <a:t>benefit of VuePress</a:t>
+            </a:r>
+            <a:r>
+              <a:rPr lang="en-US" dirty="0"/>
+              <a:t> is that it powers up your markdown by allowing you to use </a:t>
+            </a:r>
+            <a:r>
+              <a:rPr lang="en-US" dirty="0" err="1"/>
+              <a:t>Vue</a:t>
+            </a:r>
+            <a:r>
+              <a:rPr lang="en-US" dirty="0"/>
+              <a:t> components directly in the markdown file. The way this works is that each markdown file is first compiled into HTML and then passed on as a </a:t>
+            </a:r>
+            <a:r>
+              <a:rPr lang="en-US" dirty="0" err="1"/>
+              <a:t>Vue</a:t>
+            </a:r>
+            <a:r>
+              <a:rPr lang="en-US" dirty="0"/>
+              <a:t> component to </a:t>
+            </a:r>
+            <a:r>
+              <a:rPr lang="en-US" dirty="0" err="1"/>
+              <a:t>vue</a:t>
+            </a:r>
+            <a:r>
+              <a:rPr lang="en-US" dirty="0"/>
+              <a:t>-loader</a:t>
+            </a:r>
+          </a:p>
+        </p:txBody>
+      </p:sp>
+      <p:sp>
+        <p:nvSpPr>
+          <p:cNvPr id="4" name="Footer Placeholder 3"/>
+          <p:cNvSpPr>
+            <a:spLocks noGrp="1"/>
+          </p:cNvSpPr>
+          <p:nvPr>
+            <p:ph type="ftr" sz="quarter" idx="11"/>
+          </p:nvPr>
+        </p:nvSpPr>
+        <p:spPr/>
+        <p:txBody>
+          <a:bodyPr/>
+          <a:lstStyle/>
+          <a:p>
+            <a:r>
+              <a:rPr lang="en-US" smtClean="0"/>
+              <a:t>BUILDING A WEBSITE WITH VUEPRESS</a:t>
+            </a:r>
+            <a:endParaRPr lang="en-US" dirty="0"/>
+          </a:p>
+        </p:txBody>
+      </p:sp>
+      <p:sp>
+        <p:nvSpPr>
+          <p:cNvPr id="5" name="Slide Number Placeholder 4"/>
+          <p:cNvSpPr>
+            <a:spLocks noGrp="1"/>
+          </p:cNvSpPr>
+          <p:nvPr>
+            <p:ph type="sldNum" sz="quarter" idx="12"/>
+          </p:nvPr>
+        </p:nvSpPr>
+        <p:spPr/>
+        <p:txBody>
+          <a:bodyPr/>
+          <a:lstStyle/>
+          <a:p>
+            <a:fld id="{B82CCC60-E8CD-4174-8B1A-7DF615B22EEF}" type="slidenum">
+              <a:rPr lang="en-US" smtClean="0"/>
+              <a:pPr/>
+              <a:t>13</a:t>
+            </a:fld>
+            <a:endParaRPr lang="en-US"/>
+          </a:p>
+        </p:txBody>
+      </p:sp>
+    </p:spTree>
+    <p:extLst>
+      <p:ext uri="{BB962C8B-B14F-4D97-AF65-F5344CB8AC3E}">
+        <p14:creationId xmlns:p14="http://schemas.microsoft.com/office/powerpoint/2010/main" val="384092086"/>
+      </p:ext>
+    </p:extLst>
+  </p:cSld>
+  <p:clrMapOvr>
+    <a:masterClrMapping/>
+  </p:clrMapOvr>
+</p:sld>
+</file>
+
+<file path=ppt/slides/slide14.xml><?xml version="1.0" encoding="utf-8"?>
+<p:sld xmlns:a="http://schemas.openxmlformats.org/drawingml/2006/main" xmlns:r="http://schemas.openxmlformats.org/officeDocument/2006/relationships" xmlns:p="http://schemas.openxmlformats.org/presentationml/2006/main">
+  <p:cSld>
+    <p:spTree>
+      <p:nvGrpSpPr>
+        <p:cNvPr id="1" name=""/>
+        <p:cNvGrpSpPr/>
+        <p:nvPr/>
+      </p:nvGrpSpPr>
+      <p:grpSpPr>
+        <a:xfrm>
+          <a:off x="0" y="0"/>
+          <a:ext cx="0" cy="0"/>
+          <a:chOff x="0" y="0"/>
+          <a:chExt cx="0" cy="0"/>
+        </a:xfrm>
+      </p:grpSpPr>
+      <p:sp>
+        <p:nvSpPr>
+          <p:cNvPr id="2" name="Title 1"/>
+          <p:cNvSpPr>
+            <a:spLocks noGrp="1"/>
+          </p:cNvSpPr>
+          <p:nvPr>
+            <p:ph type="title"/>
+          </p:nvPr>
+        </p:nvSpPr>
+        <p:spPr/>
+        <p:txBody>
+          <a:bodyPr>
+            <a:normAutofit fontScale="90000"/>
+          </a:bodyPr>
+          <a:lstStyle/>
+          <a:p>
+            <a:r>
+              <a:rPr lang="en-US" dirty="0" smtClean="0"/>
               <a:t>Disadvantages </a:t>
             </a:r>
             <a:endParaRPr lang="en-US" dirty="0"/>
@@ -4817,6 +5185,53 @@
               <a:rPr lang="en-US" dirty="0"/>
               <a:t>.</a:t>
             </a:r>
+          </a:p>
+        </p:txBody>
+      </p:sp>
+      <p:sp>
+        <p:nvSpPr>
+          <p:cNvPr id="4" name="Footer Placeholder 3"/>
+          <p:cNvSpPr>
+            <a:spLocks noGrp="1"/>
+          </p:cNvSpPr>
+          <p:nvPr>
+            <p:ph type="ftr" sz="quarter" idx="11"/>
+          </p:nvPr>
+        </p:nvSpPr>
+        <p:spPr/>
+        <p:txBody>
+          <a:bodyPr/>
+          <a:lstStyle/>
+          <a:p>
+            <a:r>
+              <a:rPr lang="en-US" smtClean="0"/>
+              <a:t>BUILDING A WEBSITE WITH VUEPRESS</a:t>
+            </a:r>
+            <a:endParaRPr lang="en-US" dirty="0"/>
+          </a:p>
+        </p:txBody>
+      </p:sp>
+      <p:sp>
+        <p:nvSpPr>
+          <p:cNvPr id="5" name="Slide Number Placeholder 4"/>
+          <p:cNvSpPr>
+            <a:spLocks noGrp="1"/>
+          </p:cNvSpPr>
+          <p:nvPr>
+            <p:ph type="sldNum" sz="quarter" idx="12"/>
+          </p:nvPr>
+        </p:nvSpPr>
+        <p:spPr/>
+        <p:txBody>
+          <a:bodyPr/>
+          <a:lstStyle/>
+          <a:p>
+            <a:fld id="{B82CCC60-E8CD-4174-8B1A-7DF615B22EEF}" type="slidenum">
+              <a:rPr lang="en-US" smtClean="0"/>
+              <a:pPr/>
+              <a:t>14</a:t>
+            </a:fld>
+            <a:endParaRPr lang="en-US"/>
           </a:p>
         </p:txBody>
       </p:sp>
@@ -4824,6 +5239,262 @@
     <p:extLst>
       <p:ext uri="{BB962C8B-B14F-4D97-AF65-F5344CB8AC3E}">
         <p14:creationId xmlns:p14="http://schemas.microsoft.com/office/powerpoint/2010/main" val="2262872019"/>
+      </p:ext>
+    </p:extLst>
+  </p:cSld>
+  <p:clrMapOvr>
+    <a:masterClrMapping/>
+  </p:clrMapOvr>
+</p:sld>
+</file>
+
+<file path=ppt/slides/slide15.xml><?xml version="1.0" encoding="utf-8"?>
+<p:sld xmlns:a="http://schemas.openxmlformats.org/drawingml/2006/main" xmlns:r="http://schemas.openxmlformats.org/officeDocument/2006/relationships" xmlns:p="http://schemas.openxmlformats.org/presentationml/2006/main">
+  <p:cSld>
+    <p:spTree>
+      <p:nvGrpSpPr>
+        <p:cNvPr id="1" name=""/>
+        <p:cNvGrpSpPr/>
+        <p:nvPr/>
+      </p:nvGrpSpPr>
+      <p:grpSpPr>
+        <a:xfrm>
+          <a:off x="0" y="0"/>
+          <a:ext cx="0" cy="0"/>
+          <a:chOff x="0" y="0"/>
+          <a:chExt cx="0" cy="0"/>
+        </a:xfrm>
+      </p:grpSpPr>
+      <p:sp>
+        <p:nvSpPr>
+          <p:cNvPr id="2" name="Title 1"/>
+          <p:cNvSpPr>
+            <a:spLocks noGrp="1"/>
+          </p:cNvSpPr>
+          <p:nvPr>
+            <p:ph type="title"/>
+          </p:nvPr>
+        </p:nvSpPr>
+        <p:spPr/>
+        <p:txBody>
+          <a:bodyPr>
+            <a:normAutofit fontScale="90000"/>
+          </a:bodyPr>
+          <a:lstStyle/>
+          <a:p>
+            <a:r>
+              <a:rPr lang="en-US" dirty="0" smtClean="0"/>
+              <a:t>RESOURCES</a:t>
+            </a:r>
+            <a:endParaRPr lang="en-US" dirty="0"/>
+          </a:p>
+        </p:txBody>
+      </p:sp>
+      <p:sp>
+        <p:nvSpPr>
+          <p:cNvPr id="3" name="Content Placeholder 2"/>
+          <p:cNvSpPr>
+            <a:spLocks noGrp="1"/>
+          </p:cNvSpPr>
+          <p:nvPr>
+            <p:ph idx="1"/>
+          </p:nvPr>
+        </p:nvSpPr>
+        <p:spPr/>
+        <p:txBody>
+          <a:bodyPr/>
+          <a:lstStyle/>
+          <a:p>
+            <a:r>
+              <a:rPr lang="en-US" dirty="0">
+                <a:hlinkClick r:id="rId2"/>
+              </a:rPr>
+              <a:t>https://vuepress.vuejs.org</a:t>
+            </a:r>
+            <a:r>
+              <a:rPr lang="en-US" dirty="0" smtClean="0">
+                <a:hlinkClick r:id="rId2"/>
+              </a:rPr>
+              <a:t>/</a:t>
+            </a:r>
+            <a:endParaRPr lang="en-US" dirty="0" smtClean="0"/>
+          </a:p>
+          <a:p>
+            <a:r>
+              <a:rPr lang="en-US" dirty="0">
+                <a:hlinkClick r:id="rId3"/>
+              </a:rPr>
+              <a:t>https://</a:t>
+            </a:r>
+            <a:r>
+              <a:rPr lang="en-US" dirty="0" smtClean="0">
+                <a:hlinkClick r:id="rId3"/>
+              </a:rPr>
+              <a:t>www.youtube.com/watch?v=5Kqyhu_eIcw&amp;t=416s</a:t>
+            </a:r>
+            <a:endParaRPr lang="en-US" dirty="0" smtClean="0"/>
+          </a:p>
+          <a:p>
+            <a:endParaRPr lang="en-US" dirty="0"/>
+          </a:p>
+        </p:txBody>
+      </p:sp>
+      <p:sp>
+        <p:nvSpPr>
+          <p:cNvPr id="4" name="Footer Placeholder 3"/>
+          <p:cNvSpPr>
+            <a:spLocks noGrp="1"/>
+          </p:cNvSpPr>
+          <p:nvPr>
+            <p:ph type="ftr" sz="quarter" idx="11"/>
+          </p:nvPr>
+        </p:nvSpPr>
+        <p:spPr/>
+        <p:txBody>
+          <a:bodyPr/>
+          <a:lstStyle/>
+          <a:p>
+            <a:r>
+              <a:rPr lang="en-US" smtClean="0"/>
+              <a:t>BUILDING A WEBSITE WITH VUEPRESS</a:t>
+            </a:r>
+            <a:endParaRPr lang="en-US"/>
+          </a:p>
+        </p:txBody>
+      </p:sp>
+      <p:sp>
+        <p:nvSpPr>
+          <p:cNvPr id="5" name="Slide Number Placeholder 4"/>
+          <p:cNvSpPr>
+            <a:spLocks noGrp="1"/>
+          </p:cNvSpPr>
+          <p:nvPr>
+            <p:ph type="sldNum" sz="quarter" idx="12"/>
+          </p:nvPr>
+        </p:nvSpPr>
+        <p:spPr/>
+        <p:txBody>
+          <a:bodyPr/>
+          <a:lstStyle/>
+          <a:p>
+            <a:fld id="{B82CCC60-E8CD-4174-8B1A-7DF615B22EEF}" type="slidenum">
+              <a:rPr lang="en-US" smtClean="0"/>
+              <a:pPr/>
+              <a:t>15</a:t>
+            </a:fld>
+            <a:endParaRPr lang="en-US"/>
+          </a:p>
+        </p:txBody>
+      </p:sp>
+    </p:spTree>
+    <p:extLst>
+      <p:ext uri="{BB962C8B-B14F-4D97-AF65-F5344CB8AC3E}">
+        <p14:creationId xmlns:p14="http://schemas.microsoft.com/office/powerpoint/2010/main" val="2059516537"/>
+      </p:ext>
+    </p:extLst>
+  </p:cSld>
+  <p:clrMapOvr>
+    <a:masterClrMapping/>
+  </p:clrMapOvr>
+</p:sld>
+</file>
+
+<file path=ppt/slides/slide16.xml><?xml version="1.0" encoding="utf-8"?>
+<p:sld xmlns:a="http://schemas.openxmlformats.org/drawingml/2006/main" xmlns:r="http://schemas.openxmlformats.org/officeDocument/2006/relationships" xmlns:p="http://schemas.openxmlformats.org/presentationml/2006/main">
+  <p:cSld>
+    <p:spTree>
+      <p:nvGrpSpPr>
+        <p:cNvPr id="1" name=""/>
+        <p:cNvGrpSpPr/>
+        <p:nvPr/>
+      </p:nvGrpSpPr>
+      <p:grpSpPr>
+        <a:xfrm>
+          <a:off x="0" y="0"/>
+          <a:ext cx="0" cy="0"/>
+          <a:chOff x="0" y="0"/>
+          <a:chExt cx="0" cy="0"/>
+        </a:xfrm>
+      </p:grpSpPr>
+      <p:sp>
+        <p:nvSpPr>
+          <p:cNvPr id="3" name="Title 2"/>
+          <p:cNvSpPr>
+            <a:spLocks noGrp="1"/>
+          </p:cNvSpPr>
+          <p:nvPr>
+            <p:ph type="title"/>
+          </p:nvPr>
+        </p:nvSpPr>
+        <p:spPr>
+          <a:xfrm>
+            <a:off x="457200" y="1960928"/>
+            <a:ext cx="8229600" cy="1221641"/>
+          </a:xfrm>
+        </p:spPr>
+        <p:txBody>
+          <a:bodyPr/>
+          <a:lstStyle/>
+          <a:p>
+            <a:r>
+              <a:rPr lang="en-US" dirty="0" smtClean="0"/>
+              <a:t>ANY QUERIES?</a:t>
+            </a:r>
+            <a:endParaRPr lang="en-US" dirty="0"/>
+          </a:p>
+        </p:txBody>
+      </p:sp>
+      <p:sp>
+        <p:nvSpPr>
+          <p:cNvPr id="4" name="Footer Placeholder 3"/>
+          <p:cNvSpPr>
+            <a:spLocks noGrp="1"/>
+          </p:cNvSpPr>
+          <p:nvPr>
+            <p:ph type="ftr" sz="quarter" idx="11"/>
+          </p:nvPr>
+        </p:nvSpPr>
+        <p:spPr/>
+        <p:txBody>
+          <a:bodyPr/>
+          <a:lstStyle/>
+          <a:p>
+            <a:r>
+              <a:rPr lang="en-US" smtClean="0"/>
+              <a:t>BUILDING A WEBSITE WITH VUEPRESS</a:t>
+            </a:r>
+            <a:endParaRPr lang="en-US"/>
+          </a:p>
+        </p:txBody>
+      </p:sp>
+      <p:sp>
+        <p:nvSpPr>
+          <p:cNvPr id="5" name="Slide Number Placeholder 4"/>
+          <p:cNvSpPr>
+            <a:spLocks noGrp="1"/>
+          </p:cNvSpPr>
+          <p:nvPr>
+            <p:ph type="sldNum" sz="quarter" idx="12"/>
+          </p:nvPr>
+        </p:nvSpPr>
+        <p:spPr/>
+        <p:txBody>
+          <a:bodyPr/>
+          <a:lstStyle/>
+          <a:p>
+            <a:fld id="{B82CCC60-E8CD-4174-8B1A-7DF615B22EEF}" type="slidenum">
+              <a:rPr lang="en-US" smtClean="0"/>
+              <a:pPr/>
+              <a:t>16</a:t>
+            </a:fld>
+            <a:endParaRPr lang="en-US"/>
+          </a:p>
+        </p:txBody>
+      </p:sp>
+    </p:spTree>
+    <p:extLst>
+      <p:ext uri="{BB962C8B-B14F-4D97-AF65-F5344CB8AC3E}">
+        <p14:creationId xmlns:p14="http://schemas.microsoft.com/office/powerpoint/2010/main" val="4200364621"/>
       </p:ext>
     </p:extLst>
   </p:cSld>
@@ -5102,6 +5773,53 @@
           </a:p>
         </p:txBody>
       </p:sp>
+      <p:sp>
+        <p:nvSpPr>
+          <p:cNvPr id="2" name="Footer Placeholder 1"/>
+          <p:cNvSpPr>
+            <a:spLocks noGrp="1"/>
+          </p:cNvSpPr>
+          <p:nvPr>
+            <p:ph type="ftr" sz="quarter" idx="11"/>
+          </p:nvPr>
+        </p:nvSpPr>
+        <p:spPr/>
+        <p:txBody>
+          <a:bodyPr/>
+          <a:lstStyle/>
+          <a:p>
+            <a:r>
+              <a:rPr lang="en-US" smtClean="0"/>
+              <a:t>BUILDING A WEBSITE WITH VUEPRESS</a:t>
+            </a:r>
+            <a:endParaRPr lang="en-US"/>
+          </a:p>
+        </p:txBody>
+      </p:sp>
+      <p:sp>
+        <p:nvSpPr>
+          <p:cNvPr id="3" name="Slide Number Placeholder 2"/>
+          <p:cNvSpPr>
+            <a:spLocks noGrp="1"/>
+          </p:cNvSpPr>
+          <p:nvPr>
+            <p:ph type="sldNum" sz="quarter" idx="12"/>
+          </p:nvPr>
+        </p:nvSpPr>
+        <p:spPr/>
+        <p:txBody>
+          <a:bodyPr/>
+          <a:lstStyle/>
+          <a:p>
+            <a:fld id="{B82CCC60-E8CD-4174-8B1A-7DF615B22EEF}" type="slidenum">
+              <a:rPr lang="en-US" smtClean="0"/>
+              <a:pPr/>
+              <a:t>2</a:t>
+            </a:fld>
+            <a:endParaRPr lang="en-US"/>
+          </a:p>
+        </p:txBody>
+      </p:sp>
     </p:spTree>
     <p:extLst>
       <p:ext uri="{BB962C8B-B14F-4D97-AF65-F5344CB8AC3E}">
@@ -5299,6 +6017,53 @@
           </a:p>
         </p:txBody>
       </p:sp>
+      <p:sp>
+        <p:nvSpPr>
+          <p:cNvPr id="2" name="Footer Placeholder 1"/>
+          <p:cNvSpPr>
+            <a:spLocks noGrp="1"/>
+          </p:cNvSpPr>
+          <p:nvPr>
+            <p:ph type="ftr" sz="quarter" idx="11"/>
+          </p:nvPr>
+        </p:nvSpPr>
+        <p:spPr/>
+        <p:txBody>
+          <a:bodyPr/>
+          <a:lstStyle/>
+          <a:p>
+            <a:r>
+              <a:rPr lang="en-US" smtClean="0"/>
+              <a:t>BUILDING A WEBSITE WITH VUEPRESS</a:t>
+            </a:r>
+            <a:endParaRPr lang="en-US" dirty="0"/>
+          </a:p>
+        </p:txBody>
+      </p:sp>
+      <p:sp>
+        <p:nvSpPr>
+          <p:cNvPr id="3" name="Slide Number Placeholder 2"/>
+          <p:cNvSpPr>
+            <a:spLocks noGrp="1"/>
+          </p:cNvSpPr>
+          <p:nvPr>
+            <p:ph type="sldNum" sz="quarter" idx="12"/>
+          </p:nvPr>
+        </p:nvSpPr>
+        <p:spPr/>
+        <p:txBody>
+          <a:bodyPr/>
+          <a:lstStyle/>
+          <a:p>
+            <a:fld id="{B82CCC60-E8CD-4174-8B1A-7DF615B22EEF}" type="slidenum">
+              <a:rPr lang="en-US" smtClean="0"/>
+              <a:pPr/>
+              <a:t>3</a:t>
+            </a:fld>
+            <a:endParaRPr lang="en-US"/>
+          </a:p>
+        </p:txBody>
+      </p:sp>
     </p:spTree>
     <p:extLst>
       <p:ext uri="{BB962C8B-B14F-4D97-AF65-F5344CB8AC3E}">
@@ -5412,15 +6177,15 @@
             <a:pPr fontAlgn="base"/>
             <a:r>
               <a:rPr lang="en-US" dirty="0" smtClean="0"/>
-              <a:t>It has </a:t>
-            </a:r>
-            <a:r>
-              <a:rPr lang="en-US" dirty="0" err="1" smtClean="0"/>
-              <a:t>ablity</a:t>
-            </a:r>
-            <a:r>
-              <a:rPr lang="en-US" dirty="0" smtClean="0"/>
-              <a:t>  </a:t>
+              <a:t>It </a:t>
+            </a:r>
+            <a:r>
+              <a:rPr lang="en-US" smtClean="0"/>
+              <a:t>has </a:t>
+            </a:r>
+            <a:r>
+              <a:rPr lang="en-US" smtClean="0"/>
+              <a:t>ability </a:t>
             </a:r>
             <a:r>
               <a:rPr lang="en-US" dirty="0"/>
@@ -5436,7 +6201,7 @@
             </a:r>
             <a:r>
               <a:rPr lang="en-US" dirty="0" smtClean="0"/>
-              <a:t>components </a:t>
+              <a:t>components</a:t>
             </a:r>
             <a:r>
               <a:rPr lang="en-US" dirty="0"/>
@@ -5449,6 +6214,53 @@
           </a:p>
           <a:p>
             <a:endParaRPr lang="en-US" dirty="0"/>
+          </a:p>
+        </p:txBody>
+      </p:sp>
+      <p:sp>
+        <p:nvSpPr>
+          <p:cNvPr id="2" name="Footer Placeholder 1"/>
+          <p:cNvSpPr>
+            <a:spLocks noGrp="1"/>
+          </p:cNvSpPr>
+          <p:nvPr>
+            <p:ph type="ftr" sz="quarter" idx="11"/>
+          </p:nvPr>
+        </p:nvSpPr>
+        <p:spPr/>
+        <p:txBody>
+          <a:bodyPr/>
+          <a:lstStyle/>
+          <a:p>
+            <a:r>
+              <a:rPr lang="en-US" smtClean="0"/>
+              <a:t>BUILDING A WEBSITE WITH VUEPRESS</a:t>
+            </a:r>
+            <a:endParaRPr lang="en-US" dirty="0"/>
+          </a:p>
+        </p:txBody>
+      </p:sp>
+      <p:sp>
+        <p:nvSpPr>
+          <p:cNvPr id="3" name="Slide Number Placeholder 2"/>
+          <p:cNvSpPr>
+            <a:spLocks noGrp="1"/>
+          </p:cNvSpPr>
+          <p:nvPr>
+            <p:ph type="sldNum" sz="quarter" idx="12"/>
+          </p:nvPr>
+        </p:nvSpPr>
+        <p:spPr/>
+        <p:txBody>
+          <a:bodyPr/>
+          <a:lstStyle/>
+          <a:p>
+            <a:fld id="{B82CCC60-E8CD-4174-8B1A-7DF615B22EEF}" type="slidenum">
+              <a:rPr lang="en-US" smtClean="0"/>
+              <a:pPr/>
+              <a:t>4</a:t>
+            </a:fld>
+            <a:endParaRPr lang="en-US"/>
           </a:p>
         </p:txBody>
       </p:sp>
@@ -5573,6 +6385,53 @@
           </a:p>
         </p:txBody>
       </p:sp>
+      <p:sp>
+        <p:nvSpPr>
+          <p:cNvPr id="4" name="Footer Placeholder 3"/>
+          <p:cNvSpPr>
+            <a:spLocks noGrp="1"/>
+          </p:cNvSpPr>
+          <p:nvPr>
+            <p:ph type="ftr" sz="quarter" idx="11"/>
+          </p:nvPr>
+        </p:nvSpPr>
+        <p:spPr/>
+        <p:txBody>
+          <a:bodyPr/>
+          <a:lstStyle/>
+          <a:p>
+            <a:r>
+              <a:rPr lang="en-US" smtClean="0"/>
+              <a:t>BUILDING A WEBSITE WITH VUEPRESS</a:t>
+            </a:r>
+            <a:endParaRPr lang="en-US" dirty="0"/>
+          </a:p>
+        </p:txBody>
+      </p:sp>
+      <p:sp>
+        <p:nvSpPr>
+          <p:cNvPr id="5" name="Slide Number Placeholder 4"/>
+          <p:cNvSpPr>
+            <a:spLocks noGrp="1"/>
+          </p:cNvSpPr>
+          <p:nvPr>
+            <p:ph type="sldNum" sz="quarter" idx="12"/>
+          </p:nvPr>
+        </p:nvSpPr>
+        <p:spPr/>
+        <p:txBody>
+          <a:bodyPr/>
+          <a:lstStyle/>
+          <a:p>
+            <a:fld id="{B82CCC60-E8CD-4174-8B1A-7DF615B22EEF}" type="slidenum">
+              <a:rPr lang="en-US" smtClean="0"/>
+              <a:pPr/>
+              <a:t>5</a:t>
+            </a:fld>
+            <a:endParaRPr lang="en-US"/>
+          </a:p>
+        </p:txBody>
+      </p:sp>
     </p:spTree>
     <p:extLst>
       <p:ext uri="{BB962C8B-B14F-4D97-AF65-F5344CB8AC3E}">
@@ -5828,6 +6687,53 @@
           </a:p>
         </p:txBody>
       </p:sp>
+      <p:sp>
+        <p:nvSpPr>
+          <p:cNvPr id="4" name="Footer Placeholder 3"/>
+          <p:cNvSpPr>
+            <a:spLocks noGrp="1"/>
+          </p:cNvSpPr>
+          <p:nvPr>
+            <p:ph type="ftr" sz="quarter" idx="11"/>
+          </p:nvPr>
+        </p:nvSpPr>
+        <p:spPr/>
+        <p:txBody>
+          <a:bodyPr/>
+          <a:lstStyle/>
+          <a:p>
+            <a:r>
+              <a:rPr lang="en-US" smtClean="0"/>
+              <a:t>BUILDING A WEBSITE WITH VUEPRESS</a:t>
+            </a:r>
+            <a:endParaRPr lang="en-US" dirty="0"/>
+          </a:p>
+        </p:txBody>
+      </p:sp>
+      <p:sp>
+        <p:nvSpPr>
+          <p:cNvPr id="5" name="Slide Number Placeholder 4"/>
+          <p:cNvSpPr>
+            <a:spLocks noGrp="1"/>
+          </p:cNvSpPr>
+          <p:nvPr>
+            <p:ph type="sldNum" sz="quarter" idx="12"/>
+          </p:nvPr>
+        </p:nvSpPr>
+        <p:spPr/>
+        <p:txBody>
+          <a:bodyPr/>
+          <a:lstStyle/>
+          <a:p>
+            <a:fld id="{B82CCC60-E8CD-4174-8B1A-7DF615B22EEF}" type="slidenum">
+              <a:rPr lang="en-US" smtClean="0"/>
+              <a:pPr/>
+              <a:t>6</a:t>
+            </a:fld>
+            <a:endParaRPr lang="en-US"/>
+          </a:p>
+        </p:txBody>
+      </p:sp>
     </p:spTree>
     <p:extLst>
       <p:ext uri="{BB962C8B-B14F-4D97-AF65-F5344CB8AC3E}">
@@ -6146,6 +7052,53 @@
           </a:p>
         </p:txBody>
       </p:sp>
+      <p:sp>
+        <p:nvSpPr>
+          <p:cNvPr id="4" name="Footer Placeholder 3"/>
+          <p:cNvSpPr>
+            <a:spLocks noGrp="1"/>
+          </p:cNvSpPr>
+          <p:nvPr>
+            <p:ph type="ftr" sz="quarter" idx="11"/>
+          </p:nvPr>
+        </p:nvSpPr>
+        <p:spPr/>
+        <p:txBody>
+          <a:bodyPr/>
+          <a:lstStyle/>
+          <a:p>
+            <a:r>
+              <a:rPr lang="en-US" smtClean="0"/>
+              <a:t>BUILDING A WEBSITE WITH VUEPRESS</a:t>
+            </a:r>
+            <a:endParaRPr lang="en-US" dirty="0"/>
+          </a:p>
+        </p:txBody>
+      </p:sp>
+      <p:sp>
+        <p:nvSpPr>
+          <p:cNvPr id="5" name="Slide Number Placeholder 4"/>
+          <p:cNvSpPr>
+            <a:spLocks noGrp="1"/>
+          </p:cNvSpPr>
+          <p:nvPr>
+            <p:ph type="sldNum" sz="quarter" idx="12"/>
+          </p:nvPr>
+        </p:nvSpPr>
+        <p:spPr/>
+        <p:txBody>
+          <a:bodyPr/>
+          <a:lstStyle/>
+          <a:p>
+            <a:fld id="{B82CCC60-E8CD-4174-8B1A-7DF615B22EEF}" type="slidenum">
+              <a:rPr lang="en-US" smtClean="0"/>
+              <a:pPr/>
+              <a:t>7</a:t>
+            </a:fld>
+            <a:endParaRPr lang="en-US"/>
+          </a:p>
+        </p:txBody>
+      </p:sp>
     </p:spTree>
     <p:extLst>
       <p:ext uri="{BB962C8B-B14F-4D97-AF65-F5344CB8AC3E}">
@@ -6234,12 +7187,12 @@
               <a:t> folder create a new </a:t>
             </a:r>
             <a:r>
-              <a:rPr lang="en-US" dirty="0" err="1" smtClean="0"/>
-              <a:t>floder</a:t>
-            </a:r>
-            <a:r>
               <a:rPr lang="en-US" dirty="0" smtClean="0"/>
-              <a:t> called </a:t>
+              <a:t>folder </a:t>
+            </a:r>
+            <a:r>
+              <a:rPr lang="en-US" dirty="0" smtClean="0"/>
+              <a:t>called </a:t>
             </a:r>
             <a:r>
               <a:rPr lang="en-US" dirty="0" smtClean="0">
@@ -6374,10 +7327,57 @@
               <a:t>Each markdown file in a folder becomes a HTML file with the route being the parent folder and the readme.md file becomes the index.html file for that </a:t>
             </a:r>
             <a:r>
-              <a:rPr lang="en-US" dirty="0" err="1" smtClean="0"/>
-              <a:t>subroute</a:t>
+              <a:rPr lang="en-US" dirty="0" smtClean="0"/>
+              <a:t>sub route.</a:t>
             </a:r>
             <a:endParaRPr lang="en-US" dirty="0"/>
+          </a:p>
+        </p:txBody>
+      </p:sp>
+      <p:sp>
+        <p:nvSpPr>
+          <p:cNvPr id="4" name="Footer Placeholder 3"/>
+          <p:cNvSpPr>
+            <a:spLocks noGrp="1"/>
+          </p:cNvSpPr>
+          <p:nvPr>
+            <p:ph type="ftr" sz="quarter" idx="11"/>
+          </p:nvPr>
+        </p:nvSpPr>
+        <p:spPr/>
+        <p:txBody>
+          <a:bodyPr/>
+          <a:lstStyle/>
+          <a:p>
+            <a:r>
+              <a:rPr lang="en-US" smtClean="0"/>
+              <a:t>BUILDING A WEBSITE WITH VUEPRESS</a:t>
+            </a:r>
+            <a:endParaRPr lang="en-US" dirty="0"/>
+          </a:p>
+        </p:txBody>
+      </p:sp>
+      <p:sp>
+        <p:nvSpPr>
+          <p:cNvPr id="5" name="Slide Number Placeholder 4"/>
+          <p:cNvSpPr>
+            <a:spLocks noGrp="1"/>
+          </p:cNvSpPr>
+          <p:nvPr>
+            <p:ph type="sldNum" sz="quarter" idx="12"/>
+          </p:nvPr>
+        </p:nvSpPr>
+        <p:spPr/>
+        <p:txBody>
+          <a:bodyPr/>
+          <a:lstStyle/>
+          <a:p>
+            <a:fld id="{B82CCC60-E8CD-4174-8B1A-7DF615B22EEF}" type="slidenum">
+              <a:rPr lang="en-US" smtClean="0"/>
+              <a:pPr/>
+              <a:t>8</a:t>
+            </a:fld>
+            <a:endParaRPr lang="en-US"/>
           </a:p>
         </p:txBody>
       </p:sp>
@@ -6718,6 +7718,53 @@
               <a:t>package.json</a:t>
             </a:r>
             <a:endParaRPr lang="en-US" sz="1400" dirty="0"/>
+          </a:p>
+        </p:txBody>
+      </p:sp>
+      <p:sp>
+        <p:nvSpPr>
+          <p:cNvPr id="4" name="Footer Placeholder 3"/>
+          <p:cNvSpPr>
+            <a:spLocks noGrp="1"/>
+          </p:cNvSpPr>
+          <p:nvPr>
+            <p:ph type="ftr" sz="quarter" idx="11"/>
+          </p:nvPr>
+        </p:nvSpPr>
+        <p:spPr/>
+        <p:txBody>
+          <a:bodyPr/>
+          <a:lstStyle/>
+          <a:p>
+            <a:r>
+              <a:rPr lang="en-US" smtClean="0"/>
+              <a:t>BUILDING A WEBSITE WITH VUEPRESS</a:t>
+            </a:r>
+            <a:endParaRPr lang="en-US" dirty="0"/>
+          </a:p>
+        </p:txBody>
+      </p:sp>
+      <p:sp>
+        <p:nvSpPr>
+          <p:cNvPr id="5" name="Slide Number Placeholder 4"/>
+          <p:cNvSpPr>
+            <a:spLocks noGrp="1"/>
+          </p:cNvSpPr>
+          <p:nvPr>
+            <p:ph type="sldNum" sz="quarter" idx="12"/>
+          </p:nvPr>
+        </p:nvSpPr>
+        <p:spPr/>
+        <p:txBody>
+          <a:bodyPr/>
+          <a:lstStyle/>
+          <a:p>
+            <a:fld id="{B82CCC60-E8CD-4174-8B1A-7DF615B22EEF}" type="slidenum">
+              <a:rPr lang="en-US" smtClean="0"/>
+              <a:pPr/>
+              <a:t>9</a:t>
+            </a:fld>
+            <a:endParaRPr lang="en-US"/>
           </a:p>
         </p:txBody>
       </p:sp>

--- a/workshop.pptx
+++ b/workshop.pptx
@@ -6177,14 +6177,10 @@
             <a:pPr fontAlgn="base"/>
             <a:r>
               <a:rPr lang="en-US" dirty="0" smtClean="0"/>
-              <a:t>It </a:t>
-            </a:r>
-            <a:r>
-              <a:rPr lang="en-US" smtClean="0"/>
-              <a:t>has </a:t>
-            </a:r>
-            <a:r>
-              <a:rPr lang="en-US" smtClean="0"/>
+              <a:t>It has </a:t>
+            </a:r>
+            <a:r>
+              <a:rPr lang="en-US" dirty="0" smtClean="0"/>
               <a:t>ability </a:t>
             </a:r>
             <a:r>
@@ -6205,8 +6201,17 @@
             </a:r>
             <a:r>
               <a:rPr lang="en-US" dirty="0"/>
-              <a:t> inside your markdown.</a:t>
-            </a:r>
+              <a:t> inside </a:t>
+            </a:r>
+            <a:r>
+              <a:rPr lang="en-US"/>
+              <a:t>your </a:t>
+            </a:r>
+            <a:r>
+              <a:rPr lang="en-US" smtClean="0"/>
+              <a:t>markdown.</a:t>
+            </a:r>
+            <a:endParaRPr lang="en-US" dirty="0"/>
           </a:p>
           <a:p>
             <a:pPr fontAlgn="base"/>
